--- a/Diagrams/7SegmentDisplay.pptx
+++ b/Diagrams/7SegmentDisplay.pptx
@@ -104,7 +104,16 @@
       </a:defRPr>
     </a:lvl9pPr>
   </p:defaultTextStyle>
+  <p:extLst>
+    <p:ext uri="{EFAFB233-063F-42B5-8137-9DF3F51BA10A}">
+      <p15:sldGuideLst xmlns:p15="http://schemas.microsoft.com/office/powerpoint/2012/main"/>
+    </p:ext>
+  </p:extLst>
 </p:presentation>
+</file>
+
+<file path=ppt/revisionInfo.xml><?xml version="1.0" encoding="utf-8"?>
+<p1510:revInfo xmlns:a="http://schemas.openxmlformats.org/drawingml/2006/main" xmlns:r="http://schemas.openxmlformats.org/officeDocument/2006/relationships" xmlns:p1510="http://schemas.microsoft.com/office/powerpoint/2015/10/main"/>
 </file>
 
 <file path=ppt/slideLayouts/slideLayout1.xml><?xml version="1.0" encoding="utf-8"?>
@@ -149,10 +158,9 @@
           </a:lstStyle>
           <a:p>
             <a:r>
-              <a:rPr lang="pl-PL" smtClean="0"/>
+              <a:rPr lang="pl-PL"/>
               <a:t>Kliknij, aby edytować styl</a:t>
             </a:r>
-            <a:endParaRPr lang="pl-PL"/>
           </a:p>
         </p:txBody>
       </p:sp>
@@ -214,10 +222,9 @@
           </a:lstStyle>
           <a:p>
             <a:r>
-              <a:rPr lang="pl-PL" smtClean="0"/>
+              <a:rPr lang="pl-PL"/>
               <a:t>Kliknij, aby edytować styl wzorca podtytułu</a:t>
             </a:r>
-            <a:endParaRPr lang="pl-PL"/>
           </a:p>
         </p:txBody>
       </p:sp>
@@ -238,7 +245,7 @@
           <a:p>
             <a:fld id="{132DF775-DA0E-43A1-83FF-8229FDE20B5A}" type="datetimeFigureOut">
               <a:rPr lang="pl-PL" smtClean="0"/>
-              <a:t>29.04.2017</a:t>
+              <a:t>05.05.2017</a:t>
             </a:fld>
             <a:endParaRPr lang="pl-PL"/>
           </a:p>
@@ -332,10 +339,9 @@
           <a:lstStyle/>
           <a:p>
             <a:r>
-              <a:rPr lang="pl-PL" smtClean="0"/>
+              <a:rPr lang="pl-PL"/>
               <a:t>Kliknij, aby edytować styl</a:t>
             </a:r>
-            <a:endParaRPr lang="pl-PL"/>
           </a:p>
         </p:txBody>
       </p:sp>
@@ -356,38 +362,37 @@
           <a:p>
             <a:pPr lvl="0"/>
             <a:r>
-              <a:rPr lang="pl-PL" smtClean="0"/>
+              <a:rPr lang="pl-PL"/>
               <a:t>Kliknij, aby edytować style wzorca tekstu</a:t>
             </a:r>
           </a:p>
           <a:p>
             <a:pPr lvl="1"/>
             <a:r>
-              <a:rPr lang="pl-PL" smtClean="0"/>
+              <a:rPr lang="pl-PL"/>
               <a:t>Drugi poziom</a:t>
             </a:r>
           </a:p>
           <a:p>
             <a:pPr lvl="2"/>
             <a:r>
-              <a:rPr lang="pl-PL" smtClean="0"/>
+              <a:rPr lang="pl-PL"/>
               <a:t>Trzeci poziom</a:t>
             </a:r>
           </a:p>
           <a:p>
             <a:pPr lvl="3"/>
             <a:r>
-              <a:rPr lang="pl-PL" smtClean="0"/>
+              <a:rPr lang="pl-PL"/>
               <a:t>Czwarty poziom</a:t>
             </a:r>
           </a:p>
           <a:p>
             <a:pPr lvl="4"/>
             <a:r>
-              <a:rPr lang="pl-PL" smtClean="0"/>
+              <a:rPr lang="pl-PL"/>
               <a:t>Piąty poziom</a:t>
             </a:r>
-            <a:endParaRPr lang="pl-PL"/>
           </a:p>
         </p:txBody>
       </p:sp>
@@ -408,7 +413,7 @@
           <a:p>
             <a:fld id="{132DF775-DA0E-43A1-83FF-8229FDE20B5A}" type="datetimeFigureOut">
               <a:rPr lang="pl-PL" smtClean="0"/>
-              <a:t>29.04.2017</a:t>
+              <a:t>05.05.2017</a:t>
             </a:fld>
             <a:endParaRPr lang="pl-PL"/>
           </a:p>
@@ -507,10 +512,9 @@
           <a:lstStyle/>
           <a:p>
             <a:r>
-              <a:rPr lang="pl-PL" smtClean="0"/>
+              <a:rPr lang="pl-PL"/>
               <a:t>Kliknij, aby edytować styl</a:t>
             </a:r>
-            <a:endParaRPr lang="pl-PL"/>
           </a:p>
         </p:txBody>
       </p:sp>
@@ -536,38 +540,37 @@
           <a:p>
             <a:pPr lvl="0"/>
             <a:r>
-              <a:rPr lang="pl-PL" smtClean="0"/>
+              <a:rPr lang="pl-PL"/>
               <a:t>Kliknij, aby edytować style wzorca tekstu</a:t>
             </a:r>
           </a:p>
           <a:p>
             <a:pPr lvl="1"/>
             <a:r>
-              <a:rPr lang="pl-PL" smtClean="0"/>
+              <a:rPr lang="pl-PL"/>
               <a:t>Drugi poziom</a:t>
             </a:r>
           </a:p>
           <a:p>
             <a:pPr lvl="2"/>
             <a:r>
-              <a:rPr lang="pl-PL" smtClean="0"/>
+              <a:rPr lang="pl-PL"/>
               <a:t>Trzeci poziom</a:t>
             </a:r>
           </a:p>
           <a:p>
             <a:pPr lvl="3"/>
             <a:r>
-              <a:rPr lang="pl-PL" smtClean="0"/>
+              <a:rPr lang="pl-PL"/>
               <a:t>Czwarty poziom</a:t>
             </a:r>
           </a:p>
           <a:p>
             <a:pPr lvl="4"/>
             <a:r>
-              <a:rPr lang="pl-PL" smtClean="0"/>
+              <a:rPr lang="pl-PL"/>
               <a:t>Piąty poziom</a:t>
             </a:r>
-            <a:endParaRPr lang="pl-PL"/>
           </a:p>
         </p:txBody>
       </p:sp>
@@ -588,7 +591,7 @@
           <a:p>
             <a:fld id="{132DF775-DA0E-43A1-83FF-8229FDE20B5A}" type="datetimeFigureOut">
               <a:rPr lang="pl-PL" smtClean="0"/>
-              <a:t>29.04.2017</a:t>
+              <a:t>05.05.2017</a:t>
             </a:fld>
             <a:endParaRPr lang="pl-PL"/>
           </a:p>
@@ -682,10 +685,9 @@
           <a:lstStyle/>
           <a:p>
             <a:r>
-              <a:rPr lang="pl-PL" smtClean="0"/>
+              <a:rPr lang="pl-PL"/>
               <a:t>Kliknij, aby edytować styl</a:t>
             </a:r>
-            <a:endParaRPr lang="pl-PL"/>
           </a:p>
         </p:txBody>
       </p:sp>
@@ -706,38 +708,37 @@
           <a:p>
             <a:pPr lvl="0"/>
             <a:r>
-              <a:rPr lang="pl-PL" smtClean="0"/>
+              <a:rPr lang="pl-PL"/>
               <a:t>Kliknij, aby edytować style wzorca tekstu</a:t>
             </a:r>
           </a:p>
           <a:p>
             <a:pPr lvl="1"/>
             <a:r>
-              <a:rPr lang="pl-PL" smtClean="0"/>
+              <a:rPr lang="pl-PL"/>
               <a:t>Drugi poziom</a:t>
             </a:r>
           </a:p>
           <a:p>
             <a:pPr lvl="2"/>
             <a:r>
-              <a:rPr lang="pl-PL" smtClean="0"/>
+              <a:rPr lang="pl-PL"/>
               <a:t>Trzeci poziom</a:t>
             </a:r>
           </a:p>
           <a:p>
             <a:pPr lvl="3"/>
             <a:r>
-              <a:rPr lang="pl-PL" smtClean="0"/>
+              <a:rPr lang="pl-PL"/>
               <a:t>Czwarty poziom</a:t>
             </a:r>
           </a:p>
           <a:p>
             <a:pPr lvl="4"/>
             <a:r>
-              <a:rPr lang="pl-PL" smtClean="0"/>
+              <a:rPr lang="pl-PL"/>
               <a:t>Piąty poziom</a:t>
             </a:r>
-            <a:endParaRPr lang="pl-PL"/>
           </a:p>
         </p:txBody>
       </p:sp>
@@ -758,7 +759,7 @@
           <a:p>
             <a:fld id="{132DF775-DA0E-43A1-83FF-8229FDE20B5A}" type="datetimeFigureOut">
               <a:rPr lang="pl-PL" smtClean="0"/>
-              <a:t>29.04.2017</a:t>
+              <a:t>05.05.2017</a:t>
             </a:fld>
             <a:endParaRPr lang="pl-PL"/>
           </a:p>
@@ -861,10 +862,9 @@
           </a:lstStyle>
           <a:p>
             <a:r>
-              <a:rPr lang="pl-PL" smtClean="0"/>
+              <a:rPr lang="pl-PL"/>
               <a:t>Kliknij, aby edytować styl</a:t>
             </a:r>
-            <a:endParaRPr lang="pl-PL"/>
           </a:p>
         </p:txBody>
       </p:sp>
@@ -981,7 +981,7 @@
           <a:p>
             <a:pPr lvl="0"/>
             <a:r>
-              <a:rPr lang="pl-PL" smtClean="0"/>
+              <a:rPr lang="pl-PL"/>
               <a:t>Kliknij, aby edytować style wzorca tekstu</a:t>
             </a:r>
           </a:p>
@@ -1004,7 +1004,7 @@
           <a:p>
             <a:fld id="{132DF775-DA0E-43A1-83FF-8229FDE20B5A}" type="datetimeFigureOut">
               <a:rPr lang="pl-PL" smtClean="0"/>
-              <a:t>29.04.2017</a:t>
+              <a:t>05.05.2017</a:t>
             </a:fld>
             <a:endParaRPr lang="pl-PL"/>
           </a:p>
@@ -1098,10 +1098,9 @@
           <a:lstStyle/>
           <a:p>
             <a:r>
-              <a:rPr lang="pl-PL" smtClean="0"/>
+              <a:rPr lang="pl-PL"/>
               <a:t>Kliknij, aby edytować styl</a:t>
             </a:r>
-            <a:endParaRPr lang="pl-PL"/>
           </a:p>
         </p:txBody>
       </p:sp>
@@ -1127,38 +1126,37 @@
           <a:p>
             <a:pPr lvl="0"/>
             <a:r>
-              <a:rPr lang="pl-PL" smtClean="0"/>
+              <a:rPr lang="pl-PL"/>
               <a:t>Kliknij, aby edytować style wzorca tekstu</a:t>
             </a:r>
           </a:p>
           <a:p>
             <a:pPr lvl="1"/>
             <a:r>
-              <a:rPr lang="pl-PL" smtClean="0"/>
+              <a:rPr lang="pl-PL"/>
               <a:t>Drugi poziom</a:t>
             </a:r>
           </a:p>
           <a:p>
             <a:pPr lvl="2"/>
             <a:r>
-              <a:rPr lang="pl-PL" smtClean="0"/>
+              <a:rPr lang="pl-PL"/>
               <a:t>Trzeci poziom</a:t>
             </a:r>
           </a:p>
           <a:p>
             <a:pPr lvl="3"/>
             <a:r>
-              <a:rPr lang="pl-PL" smtClean="0"/>
+              <a:rPr lang="pl-PL"/>
               <a:t>Czwarty poziom</a:t>
             </a:r>
           </a:p>
           <a:p>
             <a:pPr lvl="4"/>
             <a:r>
-              <a:rPr lang="pl-PL" smtClean="0"/>
+              <a:rPr lang="pl-PL"/>
               <a:t>Piąty poziom</a:t>
             </a:r>
-            <a:endParaRPr lang="pl-PL"/>
           </a:p>
         </p:txBody>
       </p:sp>
@@ -1184,38 +1182,37 @@
           <a:p>
             <a:pPr lvl="0"/>
             <a:r>
-              <a:rPr lang="pl-PL" smtClean="0"/>
+              <a:rPr lang="pl-PL"/>
               <a:t>Kliknij, aby edytować style wzorca tekstu</a:t>
             </a:r>
           </a:p>
           <a:p>
             <a:pPr lvl="1"/>
             <a:r>
-              <a:rPr lang="pl-PL" smtClean="0"/>
+              <a:rPr lang="pl-PL"/>
               <a:t>Drugi poziom</a:t>
             </a:r>
           </a:p>
           <a:p>
             <a:pPr lvl="2"/>
             <a:r>
-              <a:rPr lang="pl-PL" smtClean="0"/>
+              <a:rPr lang="pl-PL"/>
               <a:t>Trzeci poziom</a:t>
             </a:r>
           </a:p>
           <a:p>
             <a:pPr lvl="3"/>
             <a:r>
-              <a:rPr lang="pl-PL" smtClean="0"/>
+              <a:rPr lang="pl-PL"/>
               <a:t>Czwarty poziom</a:t>
             </a:r>
           </a:p>
           <a:p>
             <a:pPr lvl="4"/>
             <a:r>
-              <a:rPr lang="pl-PL" smtClean="0"/>
+              <a:rPr lang="pl-PL"/>
               <a:t>Piąty poziom</a:t>
             </a:r>
-            <a:endParaRPr lang="pl-PL"/>
           </a:p>
         </p:txBody>
       </p:sp>
@@ -1236,7 +1233,7 @@
           <a:p>
             <a:fld id="{132DF775-DA0E-43A1-83FF-8229FDE20B5A}" type="datetimeFigureOut">
               <a:rPr lang="pl-PL" smtClean="0"/>
-              <a:t>29.04.2017</a:t>
+              <a:t>05.05.2017</a:t>
             </a:fld>
             <a:endParaRPr lang="pl-PL"/>
           </a:p>
@@ -1335,10 +1332,9 @@
           <a:lstStyle/>
           <a:p>
             <a:r>
-              <a:rPr lang="pl-PL" smtClean="0"/>
+              <a:rPr lang="pl-PL"/>
               <a:t>Kliknij, aby edytować styl</a:t>
             </a:r>
-            <a:endParaRPr lang="pl-PL"/>
           </a:p>
         </p:txBody>
       </p:sp>
@@ -1401,7 +1397,7 @@
           <a:p>
             <a:pPr lvl="0"/>
             <a:r>
-              <a:rPr lang="pl-PL" smtClean="0"/>
+              <a:rPr lang="pl-PL"/>
               <a:t>Kliknij, aby edytować style wzorca tekstu</a:t>
             </a:r>
           </a:p>
@@ -1429,38 +1425,37 @@
           <a:p>
             <a:pPr lvl="0"/>
             <a:r>
-              <a:rPr lang="pl-PL" smtClean="0"/>
+              <a:rPr lang="pl-PL"/>
               <a:t>Kliknij, aby edytować style wzorca tekstu</a:t>
             </a:r>
           </a:p>
           <a:p>
             <a:pPr lvl="1"/>
             <a:r>
-              <a:rPr lang="pl-PL" smtClean="0"/>
+              <a:rPr lang="pl-PL"/>
               <a:t>Drugi poziom</a:t>
             </a:r>
           </a:p>
           <a:p>
             <a:pPr lvl="2"/>
             <a:r>
-              <a:rPr lang="pl-PL" smtClean="0"/>
+              <a:rPr lang="pl-PL"/>
               <a:t>Trzeci poziom</a:t>
             </a:r>
           </a:p>
           <a:p>
             <a:pPr lvl="3"/>
             <a:r>
-              <a:rPr lang="pl-PL" smtClean="0"/>
+              <a:rPr lang="pl-PL"/>
               <a:t>Czwarty poziom</a:t>
             </a:r>
           </a:p>
           <a:p>
             <a:pPr lvl="4"/>
             <a:r>
-              <a:rPr lang="pl-PL" smtClean="0"/>
+              <a:rPr lang="pl-PL"/>
               <a:t>Piąty poziom</a:t>
             </a:r>
-            <a:endParaRPr lang="pl-PL"/>
           </a:p>
         </p:txBody>
       </p:sp>
@@ -1523,7 +1518,7 @@
           <a:p>
             <a:pPr lvl="0"/>
             <a:r>
-              <a:rPr lang="pl-PL" smtClean="0"/>
+              <a:rPr lang="pl-PL"/>
               <a:t>Kliknij, aby edytować style wzorca tekstu</a:t>
             </a:r>
           </a:p>
@@ -1551,38 +1546,37 @@
           <a:p>
             <a:pPr lvl="0"/>
             <a:r>
-              <a:rPr lang="pl-PL" smtClean="0"/>
+              <a:rPr lang="pl-PL"/>
               <a:t>Kliknij, aby edytować style wzorca tekstu</a:t>
             </a:r>
           </a:p>
           <a:p>
             <a:pPr lvl="1"/>
             <a:r>
-              <a:rPr lang="pl-PL" smtClean="0"/>
+              <a:rPr lang="pl-PL"/>
               <a:t>Drugi poziom</a:t>
             </a:r>
           </a:p>
           <a:p>
             <a:pPr lvl="2"/>
             <a:r>
-              <a:rPr lang="pl-PL" smtClean="0"/>
+              <a:rPr lang="pl-PL"/>
               <a:t>Trzeci poziom</a:t>
             </a:r>
           </a:p>
           <a:p>
             <a:pPr lvl="3"/>
             <a:r>
-              <a:rPr lang="pl-PL" smtClean="0"/>
+              <a:rPr lang="pl-PL"/>
               <a:t>Czwarty poziom</a:t>
             </a:r>
           </a:p>
           <a:p>
             <a:pPr lvl="4"/>
             <a:r>
-              <a:rPr lang="pl-PL" smtClean="0"/>
+              <a:rPr lang="pl-PL"/>
               <a:t>Piąty poziom</a:t>
             </a:r>
-            <a:endParaRPr lang="pl-PL"/>
           </a:p>
         </p:txBody>
       </p:sp>
@@ -1603,7 +1597,7 @@
           <a:p>
             <a:fld id="{132DF775-DA0E-43A1-83FF-8229FDE20B5A}" type="datetimeFigureOut">
               <a:rPr lang="pl-PL" smtClean="0"/>
-              <a:t>29.04.2017</a:t>
+              <a:t>05.05.2017</a:t>
             </a:fld>
             <a:endParaRPr lang="pl-PL"/>
           </a:p>
@@ -1697,10 +1691,9 @@
           <a:lstStyle/>
           <a:p>
             <a:r>
-              <a:rPr lang="pl-PL" smtClean="0"/>
+              <a:rPr lang="pl-PL"/>
               <a:t>Kliknij, aby edytować styl</a:t>
             </a:r>
-            <a:endParaRPr lang="pl-PL"/>
           </a:p>
         </p:txBody>
       </p:sp>
@@ -1721,7 +1714,7 @@
           <a:p>
             <a:fld id="{132DF775-DA0E-43A1-83FF-8229FDE20B5A}" type="datetimeFigureOut">
               <a:rPr lang="pl-PL" smtClean="0"/>
-              <a:t>29.04.2017</a:t>
+              <a:t>05.05.2017</a:t>
             </a:fld>
             <a:endParaRPr lang="pl-PL"/>
           </a:p>
@@ -1816,7 +1809,7 @@
           <a:p>
             <a:fld id="{132DF775-DA0E-43A1-83FF-8229FDE20B5A}" type="datetimeFigureOut">
               <a:rPr lang="pl-PL" smtClean="0"/>
-              <a:t>29.04.2017</a:t>
+              <a:t>05.05.2017</a:t>
             </a:fld>
             <a:endParaRPr lang="pl-PL"/>
           </a:p>
@@ -1919,10 +1912,9 @@
           </a:lstStyle>
           <a:p>
             <a:r>
-              <a:rPr lang="pl-PL" smtClean="0"/>
+              <a:rPr lang="pl-PL"/>
               <a:t>Kliknij, aby edytować styl</a:t>
             </a:r>
-            <a:endParaRPr lang="pl-PL"/>
           </a:p>
         </p:txBody>
       </p:sp>
@@ -1976,38 +1968,37 @@
           <a:p>
             <a:pPr lvl="0"/>
             <a:r>
-              <a:rPr lang="pl-PL" smtClean="0"/>
+              <a:rPr lang="pl-PL"/>
               <a:t>Kliknij, aby edytować style wzorca tekstu</a:t>
             </a:r>
           </a:p>
           <a:p>
             <a:pPr lvl="1"/>
             <a:r>
-              <a:rPr lang="pl-PL" smtClean="0"/>
+              <a:rPr lang="pl-PL"/>
               <a:t>Drugi poziom</a:t>
             </a:r>
           </a:p>
           <a:p>
             <a:pPr lvl="2"/>
             <a:r>
-              <a:rPr lang="pl-PL" smtClean="0"/>
+              <a:rPr lang="pl-PL"/>
               <a:t>Trzeci poziom</a:t>
             </a:r>
           </a:p>
           <a:p>
             <a:pPr lvl="3"/>
             <a:r>
-              <a:rPr lang="pl-PL" smtClean="0"/>
+              <a:rPr lang="pl-PL"/>
               <a:t>Czwarty poziom</a:t>
             </a:r>
           </a:p>
           <a:p>
             <a:pPr lvl="4"/>
             <a:r>
-              <a:rPr lang="pl-PL" smtClean="0"/>
+              <a:rPr lang="pl-PL"/>
               <a:t>Piąty poziom</a:t>
             </a:r>
-            <a:endParaRPr lang="pl-PL"/>
           </a:p>
         </p:txBody>
       </p:sp>
@@ -2070,7 +2061,7 @@
           <a:p>
             <a:pPr lvl="0"/>
             <a:r>
-              <a:rPr lang="pl-PL" smtClean="0"/>
+              <a:rPr lang="pl-PL"/>
               <a:t>Kliknij, aby edytować style wzorca tekstu</a:t>
             </a:r>
           </a:p>
@@ -2093,7 +2084,7 @@
           <a:p>
             <a:fld id="{132DF775-DA0E-43A1-83FF-8229FDE20B5A}" type="datetimeFigureOut">
               <a:rPr lang="pl-PL" smtClean="0"/>
-              <a:t>29.04.2017</a:t>
+              <a:t>05.05.2017</a:t>
             </a:fld>
             <a:endParaRPr lang="pl-PL"/>
           </a:p>
@@ -2196,10 +2187,9 @@
           </a:lstStyle>
           <a:p>
             <a:r>
-              <a:rPr lang="pl-PL" smtClean="0"/>
+              <a:rPr lang="pl-PL"/>
               <a:t>Kliknij, aby edytować styl</a:t>
             </a:r>
-            <a:endParaRPr lang="pl-PL"/>
           </a:p>
         </p:txBody>
       </p:sp>
@@ -2323,7 +2313,7 @@
           <a:p>
             <a:pPr lvl="0"/>
             <a:r>
-              <a:rPr lang="pl-PL" smtClean="0"/>
+              <a:rPr lang="pl-PL"/>
               <a:t>Kliknij, aby edytować style wzorca tekstu</a:t>
             </a:r>
           </a:p>
@@ -2346,7 +2336,7 @@
           <a:p>
             <a:fld id="{132DF775-DA0E-43A1-83FF-8229FDE20B5A}" type="datetimeFigureOut">
               <a:rPr lang="pl-PL" smtClean="0"/>
-              <a:t>29.04.2017</a:t>
+              <a:t>05.05.2017</a:t>
             </a:fld>
             <a:endParaRPr lang="pl-PL"/>
           </a:p>
@@ -2455,10 +2445,9 @@
           <a:lstStyle/>
           <a:p>
             <a:r>
-              <a:rPr lang="pl-PL" smtClean="0"/>
+              <a:rPr lang="pl-PL"/>
               <a:t>Kliknij, aby edytować styl</a:t>
             </a:r>
-            <a:endParaRPr lang="pl-PL"/>
           </a:p>
         </p:txBody>
       </p:sp>
@@ -2489,38 +2478,37 @@
           <a:p>
             <a:pPr lvl="0"/>
             <a:r>
-              <a:rPr lang="pl-PL" smtClean="0"/>
+              <a:rPr lang="pl-PL"/>
               <a:t>Kliknij, aby edytować style wzorca tekstu</a:t>
             </a:r>
           </a:p>
           <a:p>
             <a:pPr lvl="1"/>
             <a:r>
-              <a:rPr lang="pl-PL" smtClean="0"/>
+              <a:rPr lang="pl-PL"/>
               <a:t>Drugi poziom</a:t>
             </a:r>
           </a:p>
           <a:p>
             <a:pPr lvl="2"/>
             <a:r>
-              <a:rPr lang="pl-PL" smtClean="0"/>
+              <a:rPr lang="pl-PL"/>
               <a:t>Trzeci poziom</a:t>
             </a:r>
           </a:p>
           <a:p>
             <a:pPr lvl="3"/>
             <a:r>
-              <a:rPr lang="pl-PL" smtClean="0"/>
+              <a:rPr lang="pl-PL"/>
               <a:t>Czwarty poziom</a:t>
             </a:r>
           </a:p>
           <a:p>
             <a:pPr lvl="4"/>
             <a:r>
-              <a:rPr lang="pl-PL" smtClean="0"/>
+              <a:rPr lang="pl-PL"/>
               <a:t>Piąty poziom</a:t>
             </a:r>
-            <a:endParaRPr lang="pl-PL"/>
           </a:p>
         </p:txBody>
       </p:sp>
@@ -2559,7 +2547,7 @@
           <a:p>
             <a:fld id="{132DF775-DA0E-43A1-83FF-8229FDE20B5A}" type="datetimeFigureOut">
               <a:rPr lang="pl-PL" smtClean="0"/>
-              <a:t>29.04.2017</a:t>
+              <a:t>05.05.2017</a:t>
             </a:fld>
             <a:endParaRPr lang="pl-PL"/>
           </a:p>
@@ -2964,272 +2952,287 @@
           <a:chExt cx="0" cy="0"/>
         </a:xfrm>
       </p:grpSpPr>
-      <p:sp>
-        <p:nvSpPr>
-          <p:cNvPr id="4" name="Sześciokąt 3"/>
-          <p:cNvSpPr/>
+      <p:grpSp>
+        <p:nvGrpSpPr>
+          <p:cNvPr id="2" name="Grupa 1"/>
+          <p:cNvGrpSpPr/>
           <p:nvPr/>
-        </p:nvSpPr>
-        <p:spPr>
+        </p:nvGrpSpPr>
+        <p:grpSpPr>
           <a:xfrm>
-            <a:off x="2382253" y="1732547"/>
-            <a:ext cx="1576136" cy="204536"/>
+            <a:off x="154904" y="171450"/>
+            <a:ext cx="1234017" cy="2426366"/>
+            <a:chOff x="2145629" y="1732547"/>
+            <a:chExt cx="2019301" cy="3970419"/>
           </a:xfrm>
-          <a:prstGeom prst="hexagon">
-            <a:avLst/>
-          </a:prstGeom>
-        </p:spPr>
-        <p:style>
-          <a:lnRef idx="2">
-            <a:schemeClr val="dk1"/>
-          </a:lnRef>
-          <a:fillRef idx="1">
-            <a:schemeClr val="lt1"/>
-          </a:fillRef>
-          <a:effectRef idx="0">
-            <a:schemeClr val="dk1"/>
-          </a:effectRef>
-          <a:fontRef idx="minor">
-            <a:schemeClr val="dk1"/>
-          </a:fontRef>
-        </p:style>
-        <p:txBody>
-          <a:bodyPr rtlCol="0" anchor="ctr"/>
-          <a:lstStyle/>
-          <a:p>
-            <a:pPr algn="ctr"/>
-            <a:endParaRPr lang="pl-PL"/>
-          </a:p>
-        </p:txBody>
-      </p:sp>
-      <p:sp>
-        <p:nvSpPr>
-          <p:cNvPr id="5" name="Sześciokąt 4"/>
-          <p:cNvSpPr/>
-          <p:nvPr/>
-        </p:nvSpPr>
-        <p:spPr>
-          <a:xfrm>
-            <a:off x="2382253" y="3597444"/>
-            <a:ext cx="1576136" cy="204536"/>
-          </a:xfrm>
-          <a:prstGeom prst="hexagon">
-            <a:avLst/>
-          </a:prstGeom>
-        </p:spPr>
-        <p:style>
-          <a:lnRef idx="2">
-            <a:schemeClr val="dk1"/>
-          </a:lnRef>
-          <a:fillRef idx="1">
-            <a:schemeClr val="lt1"/>
-          </a:fillRef>
-          <a:effectRef idx="0">
-            <a:schemeClr val="dk1"/>
-          </a:effectRef>
-          <a:fontRef idx="minor">
-            <a:schemeClr val="dk1"/>
-          </a:fontRef>
-        </p:style>
-        <p:txBody>
-          <a:bodyPr rtlCol="0" anchor="ctr"/>
-          <a:lstStyle/>
-          <a:p>
-            <a:pPr algn="ctr"/>
-            <a:endParaRPr lang="pl-PL"/>
-          </a:p>
-        </p:txBody>
-      </p:sp>
-      <p:sp>
-        <p:nvSpPr>
-          <p:cNvPr id="6" name="Sześciokąt 5"/>
-          <p:cNvSpPr/>
-          <p:nvPr/>
-        </p:nvSpPr>
-        <p:spPr>
-          <a:xfrm>
-            <a:off x="2382253" y="5498430"/>
-            <a:ext cx="1576136" cy="204536"/>
-          </a:xfrm>
-          <a:prstGeom prst="hexagon">
-            <a:avLst/>
-          </a:prstGeom>
-        </p:spPr>
-        <p:style>
-          <a:lnRef idx="2">
-            <a:schemeClr val="dk1"/>
-          </a:lnRef>
-          <a:fillRef idx="1">
-            <a:schemeClr val="lt1"/>
-          </a:fillRef>
-          <a:effectRef idx="0">
-            <a:schemeClr val="dk1"/>
-          </a:effectRef>
-          <a:fontRef idx="minor">
-            <a:schemeClr val="dk1"/>
-          </a:fontRef>
-        </p:style>
-        <p:txBody>
-          <a:bodyPr rtlCol="0" anchor="ctr"/>
-          <a:lstStyle/>
-          <a:p>
-            <a:pPr algn="ctr"/>
-            <a:endParaRPr lang="pl-PL"/>
-          </a:p>
-        </p:txBody>
-      </p:sp>
-      <p:sp>
-        <p:nvSpPr>
-          <p:cNvPr id="7" name="Sześciokąt 6"/>
-          <p:cNvSpPr/>
-          <p:nvPr/>
-        </p:nvSpPr>
-        <p:spPr>
-          <a:xfrm rot="5400000">
-            <a:off x="3274594" y="2683041"/>
-            <a:ext cx="1576136" cy="204536"/>
-          </a:xfrm>
-          <a:prstGeom prst="hexagon">
-            <a:avLst/>
-          </a:prstGeom>
-        </p:spPr>
-        <p:style>
-          <a:lnRef idx="2">
-            <a:schemeClr val="dk1"/>
-          </a:lnRef>
-          <a:fillRef idx="1">
-            <a:schemeClr val="lt1"/>
-          </a:fillRef>
-          <a:effectRef idx="0">
-            <a:schemeClr val="dk1"/>
-          </a:effectRef>
-          <a:fontRef idx="minor">
-            <a:schemeClr val="dk1"/>
-          </a:fontRef>
-        </p:style>
-        <p:txBody>
-          <a:bodyPr rtlCol="0" anchor="ctr"/>
-          <a:lstStyle/>
-          <a:p>
-            <a:pPr algn="ctr"/>
-            <a:endParaRPr lang="pl-PL"/>
-          </a:p>
-        </p:txBody>
-      </p:sp>
-      <p:sp>
-        <p:nvSpPr>
-          <p:cNvPr id="8" name="Sześciokąt 7"/>
-          <p:cNvSpPr/>
-          <p:nvPr/>
-        </p:nvSpPr>
-        <p:spPr>
-          <a:xfrm rot="5400000">
-            <a:off x="3274594" y="4547937"/>
-            <a:ext cx="1576136" cy="204536"/>
-          </a:xfrm>
-          <a:prstGeom prst="hexagon">
-            <a:avLst/>
-          </a:prstGeom>
-        </p:spPr>
-        <p:style>
-          <a:lnRef idx="2">
-            <a:schemeClr val="dk1"/>
-          </a:lnRef>
-          <a:fillRef idx="1">
-            <a:schemeClr val="lt1"/>
-          </a:fillRef>
-          <a:effectRef idx="0">
-            <a:schemeClr val="dk1"/>
-          </a:effectRef>
-          <a:fontRef idx="minor">
-            <a:schemeClr val="dk1"/>
-          </a:fontRef>
-        </p:style>
-        <p:txBody>
-          <a:bodyPr rtlCol="0" anchor="ctr"/>
-          <a:lstStyle/>
-          <a:p>
-            <a:pPr algn="ctr"/>
-            <a:endParaRPr lang="pl-PL"/>
-          </a:p>
-        </p:txBody>
-      </p:sp>
-      <p:sp>
-        <p:nvSpPr>
-          <p:cNvPr id="9" name="Sześciokąt 8"/>
-          <p:cNvSpPr/>
-          <p:nvPr/>
-        </p:nvSpPr>
-        <p:spPr>
-          <a:xfrm rot="5400000">
-            <a:off x="1459829" y="2683041"/>
-            <a:ext cx="1576136" cy="204536"/>
-          </a:xfrm>
-          <a:prstGeom prst="hexagon">
-            <a:avLst/>
-          </a:prstGeom>
-        </p:spPr>
-        <p:style>
-          <a:lnRef idx="2">
-            <a:schemeClr val="dk1"/>
-          </a:lnRef>
-          <a:fillRef idx="1">
-            <a:schemeClr val="lt1"/>
-          </a:fillRef>
-          <a:effectRef idx="0">
-            <a:schemeClr val="dk1"/>
-          </a:effectRef>
-          <a:fontRef idx="minor">
-            <a:schemeClr val="dk1"/>
-          </a:fontRef>
-        </p:style>
-        <p:txBody>
-          <a:bodyPr rtlCol="0" anchor="ctr"/>
-          <a:lstStyle/>
-          <a:p>
-            <a:pPr algn="ctr"/>
-            <a:endParaRPr lang="pl-PL"/>
-          </a:p>
-        </p:txBody>
-      </p:sp>
-      <p:sp>
-        <p:nvSpPr>
-          <p:cNvPr id="10" name="Sześciokąt 9"/>
-          <p:cNvSpPr/>
-          <p:nvPr/>
-        </p:nvSpPr>
-        <p:spPr>
-          <a:xfrm rot="5400000">
-            <a:off x="1459829" y="4547937"/>
-            <a:ext cx="1576136" cy="204536"/>
-          </a:xfrm>
-          <a:prstGeom prst="hexagon">
-            <a:avLst/>
-          </a:prstGeom>
-        </p:spPr>
-        <p:style>
-          <a:lnRef idx="2">
-            <a:schemeClr val="dk1"/>
-          </a:lnRef>
-          <a:fillRef idx="1">
-            <a:schemeClr val="lt1"/>
-          </a:fillRef>
-          <a:effectRef idx="0">
-            <a:schemeClr val="dk1"/>
-          </a:effectRef>
-          <a:fontRef idx="minor">
-            <a:schemeClr val="dk1"/>
-          </a:fontRef>
-        </p:style>
-        <p:txBody>
-          <a:bodyPr rtlCol="0" anchor="ctr"/>
-          <a:lstStyle/>
-          <a:p>
-            <a:pPr algn="ctr"/>
-            <a:endParaRPr lang="pl-PL"/>
-          </a:p>
-        </p:txBody>
-      </p:sp>
+        </p:grpSpPr>
+        <p:sp>
+          <p:nvSpPr>
+            <p:cNvPr id="4" name="Sześciokąt 3"/>
+            <p:cNvSpPr/>
+            <p:nvPr/>
+          </p:nvSpPr>
+          <p:spPr>
+            <a:xfrm>
+              <a:off x="2382253" y="1732547"/>
+              <a:ext cx="1576136" cy="204536"/>
+            </a:xfrm>
+            <a:prstGeom prst="hexagon">
+              <a:avLst/>
+            </a:prstGeom>
+          </p:spPr>
+          <p:style>
+            <a:lnRef idx="2">
+              <a:schemeClr val="dk1"/>
+            </a:lnRef>
+            <a:fillRef idx="1">
+              <a:schemeClr val="lt1"/>
+            </a:fillRef>
+            <a:effectRef idx="0">
+              <a:schemeClr val="dk1"/>
+            </a:effectRef>
+            <a:fontRef idx="minor">
+              <a:schemeClr val="dk1"/>
+            </a:fontRef>
+          </p:style>
+          <p:txBody>
+            <a:bodyPr rtlCol="0" anchor="ctr"/>
+            <a:lstStyle/>
+            <a:p>
+              <a:pPr algn="ctr"/>
+              <a:endParaRPr lang="pl-PL"/>
+            </a:p>
+          </p:txBody>
+        </p:sp>
+        <p:sp>
+          <p:nvSpPr>
+            <p:cNvPr id="5" name="Sześciokąt 4"/>
+            <p:cNvSpPr/>
+            <p:nvPr/>
+          </p:nvSpPr>
+          <p:spPr>
+            <a:xfrm>
+              <a:off x="2382253" y="3597444"/>
+              <a:ext cx="1576136" cy="204536"/>
+            </a:xfrm>
+            <a:prstGeom prst="hexagon">
+              <a:avLst/>
+            </a:prstGeom>
+          </p:spPr>
+          <p:style>
+            <a:lnRef idx="2">
+              <a:schemeClr val="dk1"/>
+            </a:lnRef>
+            <a:fillRef idx="1">
+              <a:schemeClr val="lt1"/>
+            </a:fillRef>
+            <a:effectRef idx="0">
+              <a:schemeClr val="dk1"/>
+            </a:effectRef>
+            <a:fontRef idx="minor">
+              <a:schemeClr val="dk1"/>
+            </a:fontRef>
+          </p:style>
+          <p:txBody>
+            <a:bodyPr rtlCol="0" anchor="ctr"/>
+            <a:lstStyle/>
+            <a:p>
+              <a:pPr algn="ctr"/>
+              <a:endParaRPr lang="pl-PL"/>
+            </a:p>
+          </p:txBody>
+        </p:sp>
+        <p:sp>
+          <p:nvSpPr>
+            <p:cNvPr id="6" name="Sześciokąt 5"/>
+            <p:cNvSpPr/>
+            <p:nvPr/>
+          </p:nvSpPr>
+          <p:spPr>
+            <a:xfrm>
+              <a:off x="2382253" y="5498430"/>
+              <a:ext cx="1576136" cy="204536"/>
+            </a:xfrm>
+            <a:prstGeom prst="hexagon">
+              <a:avLst/>
+            </a:prstGeom>
+          </p:spPr>
+          <p:style>
+            <a:lnRef idx="2">
+              <a:schemeClr val="dk1"/>
+            </a:lnRef>
+            <a:fillRef idx="1">
+              <a:schemeClr val="lt1"/>
+            </a:fillRef>
+            <a:effectRef idx="0">
+              <a:schemeClr val="dk1"/>
+            </a:effectRef>
+            <a:fontRef idx="minor">
+              <a:schemeClr val="dk1"/>
+            </a:fontRef>
+          </p:style>
+          <p:txBody>
+            <a:bodyPr rtlCol="0" anchor="ctr"/>
+            <a:lstStyle/>
+            <a:p>
+              <a:pPr algn="ctr"/>
+              <a:endParaRPr lang="pl-PL"/>
+            </a:p>
+          </p:txBody>
+        </p:sp>
+        <p:sp>
+          <p:nvSpPr>
+            <p:cNvPr id="7" name="Sześciokąt 6"/>
+            <p:cNvSpPr/>
+            <p:nvPr/>
+          </p:nvSpPr>
+          <p:spPr>
+            <a:xfrm rot="5400000">
+              <a:off x="3274594" y="2683041"/>
+              <a:ext cx="1576136" cy="204536"/>
+            </a:xfrm>
+            <a:prstGeom prst="hexagon">
+              <a:avLst/>
+            </a:prstGeom>
+          </p:spPr>
+          <p:style>
+            <a:lnRef idx="2">
+              <a:schemeClr val="dk1"/>
+            </a:lnRef>
+            <a:fillRef idx="1">
+              <a:schemeClr val="lt1"/>
+            </a:fillRef>
+            <a:effectRef idx="0">
+              <a:schemeClr val="dk1"/>
+            </a:effectRef>
+            <a:fontRef idx="minor">
+              <a:schemeClr val="dk1"/>
+            </a:fontRef>
+          </p:style>
+          <p:txBody>
+            <a:bodyPr rtlCol="0" anchor="ctr"/>
+            <a:lstStyle/>
+            <a:p>
+              <a:pPr algn="ctr"/>
+              <a:endParaRPr lang="pl-PL"/>
+            </a:p>
+          </p:txBody>
+        </p:sp>
+        <p:sp>
+          <p:nvSpPr>
+            <p:cNvPr id="8" name="Sześciokąt 7"/>
+            <p:cNvSpPr/>
+            <p:nvPr/>
+          </p:nvSpPr>
+          <p:spPr>
+            <a:xfrm rot="5400000">
+              <a:off x="3274594" y="4547937"/>
+              <a:ext cx="1576136" cy="204536"/>
+            </a:xfrm>
+            <a:prstGeom prst="hexagon">
+              <a:avLst/>
+            </a:prstGeom>
+          </p:spPr>
+          <p:style>
+            <a:lnRef idx="2">
+              <a:schemeClr val="dk1"/>
+            </a:lnRef>
+            <a:fillRef idx="1">
+              <a:schemeClr val="lt1"/>
+            </a:fillRef>
+            <a:effectRef idx="0">
+              <a:schemeClr val="dk1"/>
+            </a:effectRef>
+            <a:fontRef idx="minor">
+              <a:schemeClr val="dk1"/>
+            </a:fontRef>
+          </p:style>
+          <p:txBody>
+            <a:bodyPr rtlCol="0" anchor="ctr"/>
+            <a:lstStyle/>
+            <a:p>
+              <a:pPr algn="ctr"/>
+              <a:endParaRPr lang="pl-PL"/>
+            </a:p>
+          </p:txBody>
+        </p:sp>
+        <p:sp>
+          <p:nvSpPr>
+            <p:cNvPr id="9" name="Sześciokąt 8"/>
+            <p:cNvSpPr/>
+            <p:nvPr/>
+          </p:nvSpPr>
+          <p:spPr>
+            <a:xfrm rot="5400000">
+              <a:off x="1459829" y="2683041"/>
+              <a:ext cx="1576136" cy="204536"/>
+            </a:xfrm>
+            <a:prstGeom prst="hexagon">
+              <a:avLst/>
+            </a:prstGeom>
+          </p:spPr>
+          <p:style>
+            <a:lnRef idx="2">
+              <a:schemeClr val="dk1"/>
+            </a:lnRef>
+            <a:fillRef idx="1">
+              <a:schemeClr val="lt1"/>
+            </a:fillRef>
+            <a:effectRef idx="0">
+              <a:schemeClr val="dk1"/>
+            </a:effectRef>
+            <a:fontRef idx="minor">
+              <a:schemeClr val="dk1"/>
+            </a:fontRef>
+          </p:style>
+          <p:txBody>
+            <a:bodyPr rtlCol="0" anchor="ctr"/>
+            <a:lstStyle/>
+            <a:p>
+              <a:pPr algn="ctr"/>
+              <a:endParaRPr lang="pl-PL"/>
+            </a:p>
+          </p:txBody>
+        </p:sp>
+        <p:sp>
+          <p:nvSpPr>
+            <p:cNvPr id="10" name="Sześciokąt 9"/>
+            <p:cNvSpPr/>
+            <p:nvPr/>
+          </p:nvSpPr>
+          <p:spPr>
+            <a:xfrm rot="5400000">
+              <a:off x="1459829" y="4547937"/>
+              <a:ext cx="1576136" cy="204536"/>
+            </a:xfrm>
+            <a:prstGeom prst="hexagon">
+              <a:avLst/>
+            </a:prstGeom>
+          </p:spPr>
+          <p:style>
+            <a:lnRef idx="2">
+              <a:schemeClr val="dk1"/>
+            </a:lnRef>
+            <a:fillRef idx="1">
+              <a:schemeClr val="lt1"/>
+            </a:fillRef>
+            <a:effectRef idx="0">
+              <a:schemeClr val="dk1"/>
+            </a:effectRef>
+            <a:fontRef idx="minor">
+              <a:schemeClr val="dk1"/>
+            </a:fontRef>
+          </p:style>
+          <p:txBody>
+            <a:bodyPr rtlCol="0" anchor="ctr"/>
+            <a:lstStyle/>
+            <a:p>
+              <a:pPr algn="ctr"/>
+              <a:endParaRPr lang="pl-PL"/>
+            </a:p>
+          </p:txBody>
+        </p:sp>
+      </p:grpSp>
     </p:spTree>
     <p:extLst>
       <p:ext uri="{BB962C8B-B14F-4D97-AF65-F5344CB8AC3E}">
